--- a/ppts/2-8 Structure Quiz.pptx
+++ b/ppts/2-8 Structure Quiz.pptx
@@ -429,7 +429,7 @@
           <a:p>
             <a:fld id="{A9ADF8C7-AEDF-43D6-9DAF-DECAC1AD2E30}" type="datetimeFigureOut">
               <a:rPr lang="ko-KR" altLang="en-US" smtClean="0"/>
-              <a:t>2021-09-19</a:t>
+              <a:t>2022. 9. 30.</a:t>
             </a:fld>
             <a:endParaRPr lang="ko-KR" altLang="en-US"/>
           </a:p>
@@ -1399,7 +1399,7 @@
           </a:ln>
           <a:extLst>
             <a:ext uri="{C572A759-6A51-4108-AA02-DFA0A04FC94B}">
-              <ma14:wrappingTextBoxFlag xmlns="" xmlns:ma14="http://schemas.microsoft.com/office/mac/drawingml/2011/main" val="1"/>
+              <ma14:wrappingTextBoxFlag xmlns:ma14="http://schemas.microsoft.com/office/mac/drawingml/2011/main" xmlns="" val="1"/>
             </a:ext>
           </a:extLst>
         </p:spPr>
@@ -2975,7 +2975,7 @@
           <a:p>
             <a:fld id="{AC778754-33AA-481A-B885-58843B94B2EC}" type="datetime1">
               <a:rPr lang="ko-KR" altLang="en-US" smtClean="0"/>
-              <a:t>2021-09-19</a:t>
+              <a:t>2022. 9. 30.</a:t>
             </a:fld>
             <a:endParaRPr lang="ko-KR" altLang="en-US" dirty="0"/>
           </a:p>
@@ -3509,10 +3509,15 @@
             <p:ph type="title"/>
           </p:nvPr>
         </p:nvSpPr>
-        <p:spPr/>
+        <p:spPr>
+          <a:xfrm>
+            <a:off x="518161" y="386248"/>
+            <a:ext cx="11968478" cy="707594"/>
+          </a:xfrm>
+        </p:spPr>
         <p:txBody>
           <a:bodyPr>
-            <a:normAutofit/>
+            <a:normAutofit fontScale="90000"/>
           </a:bodyPr>
           <a:lstStyle/>
           <a:p>
@@ -3520,6 +3525,84 @@
               <a:rPr lang="en-US" altLang="ko-KR" dirty="0"/>
               <a:t>Quiz</a:t>
             </a:r>
+            <a:br>
+              <a:rPr lang="en-US" altLang="ko-KR" dirty="0"/>
+            </a:br>
+            <a:r>
+              <a:rPr lang="en" altLang="ko-Kore-KR" sz="1300" b="0" dirty="0">
+                <a:solidFill>
+                  <a:srgbClr val="6A9955"/>
+                </a:solidFill>
+                <a:effectLst/>
+                <a:latin typeface="D2Coding ligature" panose="020B0609020101020101" pitchFamily="49" charset="-127"/>
+                <a:ea typeface="D2Coding ligature" panose="020B0609020101020101" pitchFamily="49" charset="-127"/>
+              </a:rPr>
+              <a:t>// Honor Code : On my honor, I pledge that I have neither received nor provided improper assistance in the completion of this assignment.</a:t>
+            </a:r>
+            <a:br>
+              <a:rPr lang="en" altLang="ko-Kore-KR" sz="1300" b="0" dirty="0">
+                <a:solidFill>
+                  <a:srgbClr val="D4D4D4"/>
+                </a:solidFill>
+                <a:effectLst/>
+                <a:latin typeface="D2Coding ligature" panose="020B0609020101020101" pitchFamily="49" charset="-127"/>
+                <a:ea typeface="D2Coding ligature" panose="020B0609020101020101" pitchFamily="49" charset="-127"/>
+              </a:rPr>
+            </a:br>
+            <a:r>
+              <a:rPr lang="en" altLang="ko-Kore-KR" sz="1300" b="0" dirty="0">
+                <a:solidFill>
+                  <a:srgbClr val="6A9955"/>
+                </a:solidFill>
+                <a:effectLst/>
+                <a:latin typeface="D2Coding ligature" panose="020B0609020101020101" pitchFamily="49" charset="-127"/>
+                <a:ea typeface="D2Coding ligature" panose="020B0609020101020101" pitchFamily="49" charset="-127"/>
+              </a:rPr>
+              <a:t>// Signed: </a:t>
+            </a:r>
+            <a:r>
+              <a:rPr lang="ko-KR" altLang="en-US" sz="1300" b="0" dirty="0">
+                <a:solidFill>
+                  <a:srgbClr val="6A9955"/>
+                </a:solidFill>
+                <a:effectLst/>
+                <a:latin typeface="D2Coding ligature" panose="020B0609020101020101" pitchFamily="49" charset="-127"/>
+                <a:ea typeface="D2Coding ligature" panose="020B0609020101020101" pitchFamily="49" charset="-127"/>
+              </a:rPr>
+              <a:t>이경민</a:t>
+            </a:r>
+            <a:r>
+              <a:rPr lang="en-US" altLang="ko-KR" sz="1300" b="0" dirty="0">
+                <a:solidFill>
+                  <a:srgbClr val="6A9955"/>
+                </a:solidFill>
+                <a:effectLst/>
+                <a:latin typeface="D2Coding ligature" panose="020B0609020101020101" pitchFamily="49" charset="-127"/>
+                <a:ea typeface="D2Coding ligature" panose="020B0609020101020101" pitchFamily="49" charset="-127"/>
+              </a:rPr>
+              <a:t>, </a:t>
+            </a:r>
+            <a:r>
+              <a:rPr lang="en" altLang="ko-Kore-KR" sz="1300" b="0" dirty="0">
+                <a:solidFill>
+                  <a:srgbClr val="6A9955"/>
+                </a:solidFill>
+                <a:effectLst/>
+                <a:latin typeface="D2Coding ligature" panose="020B0609020101020101" pitchFamily="49" charset="-127"/>
+                <a:ea typeface="D2Coding ligature" panose="020B0609020101020101" pitchFamily="49" charset="-127"/>
+              </a:rPr>
+              <a:t>Student number: 22100487, Class: 02</a:t>
+            </a:r>
+            <a:br>
+              <a:rPr lang="en" altLang="ko-Kore-KR" b="0" dirty="0">
+                <a:solidFill>
+                  <a:srgbClr val="D4D4D4"/>
+                </a:solidFill>
+                <a:effectLst/>
+                <a:latin typeface="D2Coding ligature" panose="020B0609020101020101" pitchFamily="49" charset="-127"/>
+                <a:ea typeface="D2Coding ligature" panose="020B0609020101020101" pitchFamily="49" charset="-127"/>
+              </a:rPr>
+            </a:br>
             <a:endParaRPr lang="ko-KR" altLang="en-US" dirty="0">
               <a:latin typeface="Consolas" panose="020B0609020204030204" pitchFamily="49" charset="0"/>
             </a:endParaRPr>
@@ -3604,9 +3687,15 @@
               <a:rPr lang="en-US" altLang="ko-KR" sz="2000" dirty="0">
                 <a:latin typeface="Century Gothic" panose="020B0502020202020204" pitchFamily="34" charset="0"/>
               </a:rPr>
-              <a:t>What is the output of the code?</a:t>
-            </a:r>
-            <a:endParaRPr lang="ko-KR" altLang="en-US" sz="2000" dirty="0">
+              <a:t>What is the output of the code?   </a:t>
+            </a:r>
+            <a:r>
+              <a:rPr lang="en-US" altLang="ko-KR" sz="2000" b="1" u="sng">
+                <a:latin typeface="Century Gothic" panose="020B0502020202020204" pitchFamily="34" charset="0"/>
+              </a:rPr>
+              <a:t>hat</a:t>
+            </a:r>
+            <a:endParaRPr lang="ko-KR" altLang="en-US" sz="2000" b="1" u="sng" dirty="0">
               <a:latin typeface="Century Gothic" panose="020B0502020202020204" pitchFamily="34" charset="0"/>
             </a:endParaRPr>
           </a:p>
@@ -3998,21 +4087,7 @@
                 <a:latin typeface="Consolas" panose="020B0609020204030204" pitchFamily="49" charset="0"/>
                 <a:cs typeface="Courier New" panose="02070309020205020404" pitchFamily="49" charset="0"/>
               </a:rPr>
-              <a:t>  cout &lt;&lt; </a:t>
-            </a:r>
-            <a:r>
-              <a:rPr lang="en-US" altLang="ko-KR" sz="1800" dirty="0" err="1">
-                <a:latin typeface="Consolas" panose="020B0609020204030204" pitchFamily="49" charset="0"/>
-                <a:cs typeface="Courier New" panose="02070309020205020404" pitchFamily="49" charset="0"/>
-              </a:rPr>
-              <a:t>we.tag</a:t>
-            </a:r>
-            <a:r>
-              <a:rPr lang="en-US" altLang="ko-KR" sz="1800" dirty="0">
-                <a:latin typeface="Consolas" panose="020B0609020204030204" pitchFamily="49" charset="0"/>
-                <a:cs typeface="Courier New" panose="02070309020205020404" pitchFamily="49" charset="0"/>
-              </a:rPr>
-              <a:t> &lt;&lt; endl;</a:t>
+              <a:t>  cout &lt;&lt; we-&gt;tag &lt;&lt; endl;</a:t>
             </a:r>
           </a:p>
           <a:p>
@@ -4031,13 +4106,10 @@
             <a:pPr marL="0" indent="0">
               <a:buNone/>
             </a:pPr>
-            <a:r>
-              <a:rPr lang="en-US" altLang="ko-KR" sz="1800" dirty="0">
-                <a:latin typeface="Consolas" panose="020B0609020204030204" pitchFamily="49" charset="0"/>
-                <a:cs typeface="Courier New" panose="02070309020205020404" pitchFamily="49" charset="0"/>
-              </a:rPr>
-              <a:t>  delete we;</a:t>
-            </a:r>
+            <a:endParaRPr lang="en-US" altLang="ko-KR" sz="1800" dirty="0">
+              <a:latin typeface="Consolas" panose="020B0609020204030204" pitchFamily="49" charset="0"/>
+              <a:cs typeface="Courier New" panose="02070309020205020404" pitchFamily="49" charset="0"/>
+            </a:endParaRPr>
           </a:p>
           <a:p>
             <a:pPr marL="0" indent="0">
@@ -4239,6 +4311,15 @@
           <a:lstStyle/>
           <a:p>
             <a:pPr algn="ctr"/>
+            <a:r>
+              <a:rPr lang="en-US" altLang="ko-KR" dirty="0">
+                <a:solidFill>
+                  <a:schemeClr val="tx1"/>
+                </a:solidFill>
+                <a:latin typeface="Consolas" panose="020B0609020204030204" pitchFamily="49" charset="0"/>
+              </a:rPr>
+              <a:t>B3</a:t>
+            </a:r>
             <a:endParaRPr lang="ko-KR" altLang="en-US" dirty="0">
               <a:solidFill>
                 <a:schemeClr val="tx1"/>
@@ -4467,6 +4548,15 @@
           <a:lstStyle/>
           <a:p>
             <a:pPr algn="ctr"/>
+            <a:r>
+              <a:rPr lang="en-US" altLang="ko-KR" dirty="0">
+                <a:solidFill>
+                  <a:schemeClr val="tx1"/>
+                </a:solidFill>
+                <a:latin typeface="Consolas" panose="020B0609020204030204" pitchFamily="49" charset="0"/>
+              </a:rPr>
+              <a:t>F5</a:t>
+            </a:r>
             <a:endParaRPr lang="ko-KR" altLang="en-US" dirty="0">
               <a:solidFill>
                 <a:schemeClr val="tx1"/>

--- a/ppts/2-8 Structure Quiz.pptx
+++ b/ppts/2-8 Structure Quiz.pptx
@@ -3687,10 +3687,10 @@
               <a:rPr lang="en-US" altLang="ko-KR" sz="2000" dirty="0">
                 <a:latin typeface="Century Gothic" panose="020B0502020202020204" pitchFamily="34" charset="0"/>
               </a:rPr>
-              <a:t>What is the output of the code?   </a:t>
-            </a:r>
-            <a:r>
-              <a:rPr lang="en-US" altLang="ko-KR" sz="2000" b="1" u="sng">
+              <a:t>What is the output of the code? </a:t>
+            </a:r>
+            <a:r>
+              <a:rPr lang="en-US" altLang="ko-KR" sz="2000" b="1" u="sng" dirty="0">
                 <a:latin typeface="Century Gothic" panose="020B0502020202020204" pitchFamily="34" charset="0"/>
               </a:rPr>
               <a:t>hat</a:t>
